--- a/ppt 16-9/0874.主内团契.pptx
+++ b/ppt 16-9/0874.主内团契.pptx
@@ -129,7 +129,7 @@
           <p:cNvPr id="2" name="标题 1">
             <a:extLst>
               <a:ext uri="{FF2B5EF4-FFF2-40B4-BE49-F238E27FC236}">
-                <a16:creationId xmlns:a16="http://schemas.microsoft.com/office/drawing/2014/main" id="{2D9080BE-01B4-5CD1-E490-DDB5A66A607B}"/>
+                <a16:creationId xmlns:a16="http://schemas.microsoft.com/office/drawing/2014/main" id="{31B02DBD-01C9-4A49-8903-2C06B6C958A0}"/>
               </a:ext>
             </a:extLst>
           </p:cNvPr>
@@ -166,7 +166,7 @@
           <p:cNvPr id="3" name="副标题 2">
             <a:extLst>
               <a:ext uri="{FF2B5EF4-FFF2-40B4-BE49-F238E27FC236}">
-                <a16:creationId xmlns:a16="http://schemas.microsoft.com/office/drawing/2014/main" id="{A5733121-7B8F-4181-C36F-41C181098A5F}"/>
+                <a16:creationId xmlns:a16="http://schemas.microsoft.com/office/drawing/2014/main" id="{2FEC95E1-AF70-4CB7-C240-FE13A049BB1B}"/>
               </a:ext>
             </a:extLst>
           </p:cNvPr>
@@ -236,7 +236,7 @@
           <p:cNvPr id="4" name="日期占位符 3">
             <a:extLst>
               <a:ext uri="{FF2B5EF4-FFF2-40B4-BE49-F238E27FC236}">
-                <a16:creationId xmlns:a16="http://schemas.microsoft.com/office/drawing/2014/main" id="{DE6C661A-D160-7BCA-2F16-204A7EC2C028}"/>
+                <a16:creationId xmlns:a16="http://schemas.microsoft.com/office/drawing/2014/main" id="{06FBAD49-F98C-18EA-A4F5-788206B1B896}"/>
               </a:ext>
             </a:extLst>
           </p:cNvPr>
@@ -252,7 +252,7 @@
           <a:bodyPr/>
           <a:lstStyle/>
           <a:p>
-            <a:fld id="{28977803-0C03-4420-942E-D3FFFF81C185}" type="datetimeFigureOut">
+            <a:fld id="{536FAFAB-C5F9-4B1A-91EF-4460DF09567C}" type="datetimeFigureOut">
               <a:rPr lang="zh-CN" altLang="en-US" smtClean="0"/>
               <a:t>2024/3/10</a:t>
             </a:fld>
@@ -265,7 +265,7 @@
           <p:cNvPr id="5" name="页脚占位符 4">
             <a:extLst>
               <a:ext uri="{FF2B5EF4-FFF2-40B4-BE49-F238E27FC236}">
-                <a16:creationId xmlns:a16="http://schemas.microsoft.com/office/drawing/2014/main" id="{24DBB96C-16A9-D897-8D21-0E1ECB3C04D4}"/>
+                <a16:creationId xmlns:a16="http://schemas.microsoft.com/office/drawing/2014/main" id="{091D8A13-03F0-17CA-EA1D-171EE227FDDD}"/>
               </a:ext>
             </a:extLst>
           </p:cNvPr>
@@ -290,7 +290,7 @@
           <p:cNvPr id="6" name="灯片编号占位符 5">
             <a:extLst>
               <a:ext uri="{FF2B5EF4-FFF2-40B4-BE49-F238E27FC236}">
-                <a16:creationId xmlns:a16="http://schemas.microsoft.com/office/drawing/2014/main" id="{9380272C-FD44-D38D-1C12-3F853077CC23}"/>
+                <a16:creationId xmlns:a16="http://schemas.microsoft.com/office/drawing/2014/main" id="{D033067D-9046-1F01-4037-5C106317466D}"/>
               </a:ext>
             </a:extLst>
           </p:cNvPr>
@@ -306,7 +306,7 @@
           <a:bodyPr/>
           <a:lstStyle/>
           <a:p>
-            <a:fld id="{FBBAF3E8-DB36-4F4E-A234-E5DCB60D8941}" type="slidenum">
+            <a:fld id="{D67CE5FD-F058-481F-AF60-E9EAED29A635}" type="slidenum">
               <a:rPr lang="zh-CN" altLang="en-US" smtClean="0"/>
               <a:t>‹#›</a:t>
             </a:fld>
@@ -317,7 +317,7 @@
     </p:spTree>
     <p:extLst>
       <p:ext uri="{BB962C8B-B14F-4D97-AF65-F5344CB8AC3E}">
-        <p14:creationId xmlns:p14="http://schemas.microsoft.com/office/powerpoint/2010/main" val="472511525"/>
+        <p14:creationId xmlns:p14="http://schemas.microsoft.com/office/powerpoint/2010/main" val="4209010144"/>
       </p:ext>
     </p:extLst>
   </p:cSld>
@@ -349,7 +349,7 @@
           <p:cNvPr id="2" name="标题 1">
             <a:extLst>
               <a:ext uri="{FF2B5EF4-FFF2-40B4-BE49-F238E27FC236}">
-                <a16:creationId xmlns:a16="http://schemas.microsoft.com/office/drawing/2014/main" id="{F7C343F6-7535-52F5-6331-AFA46E1A5BFD}"/>
+                <a16:creationId xmlns:a16="http://schemas.microsoft.com/office/drawing/2014/main" id="{4A86081D-B9DE-0C3D-0264-0CDB71144022}"/>
               </a:ext>
             </a:extLst>
           </p:cNvPr>
@@ -377,7 +377,7 @@
           <p:cNvPr id="3" name="竖排文字占位符 2">
             <a:extLst>
               <a:ext uri="{FF2B5EF4-FFF2-40B4-BE49-F238E27FC236}">
-                <a16:creationId xmlns:a16="http://schemas.microsoft.com/office/drawing/2014/main" id="{841E11C6-19F9-6A38-469A-4B30C7E51FFF}"/>
+                <a16:creationId xmlns:a16="http://schemas.microsoft.com/office/drawing/2014/main" id="{F1B31D3E-901B-6AB9-6BC0-E84AB243E5F2}"/>
               </a:ext>
             </a:extLst>
           </p:cNvPr>
@@ -434,7 +434,7 @@
           <p:cNvPr id="4" name="日期占位符 3">
             <a:extLst>
               <a:ext uri="{FF2B5EF4-FFF2-40B4-BE49-F238E27FC236}">
-                <a16:creationId xmlns:a16="http://schemas.microsoft.com/office/drawing/2014/main" id="{B49CE76E-5BF7-0A82-A41A-6CF192BFDE92}"/>
+                <a16:creationId xmlns:a16="http://schemas.microsoft.com/office/drawing/2014/main" id="{636FB984-FB98-9CE9-E065-82575091AEA6}"/>
               </a:ext>
             </a:extLst>
           </p:cNvPr>
@@ -450,7 +450,7 @@
           <a:bodyPr/>
           <a:lstStyle/>
           <a:p>
-            <a:fld id="{28977803-0C03-4420-942E-D3FFFF81C185}" type="datetimeFigureOut">
+            <a:fld id="{536FAFAB-C5F9-4B1A-91EF-4460DF09567C}" type="datetimeFigureOut">
               <a:rPr lang="zh-CN" altLang="en-US" smtClean="0"/>
               <a:t>2024/3/10</a:t>
             </a:fld>
@@ -463,7 +463,7 @@
           <p:cNvPr id="5" name="页脚占位符 4">
             <a:extLst>
               <a:ext uri="{FF2B5EF4-FFF2-40B4-BE49-F238E27FC236}">
-                <a16:creationId xmlns:a16="http://schemas.microsoft.com/office/drawing/2014/main" id="{F241789D-7BE0-A982-C013-53AF86262C86}"/>
+                <a16:creationId xmlns:a16="http://schemas.microsoft.com/office/drawing/2014/main" id="{E36C0466-1236-4FA3-7A4B-1A9FC3556DB2}"/>
               </a:ext>
             </a:extLst>
           </p:cNvPr>
@@ -488,7 +488,7 @@
           <p:cNvPr id="6" name="灯片编号占位符 5">
             <a:extLst>
               <a:ext uri="{FF2B5EF4-FFF2-40B4-BE49-F238E27FC236}">
-                <a16:creationId xmlns:a16="http://schemas.microsoft.com/office/drawing/2014/main" id="{1708B4C4-472A-97D2-6789-A1ECCA975133}"/>
+                <a16:creationId xmlns:a16="http://schemas.microsoft.com/office/drawing/2014/main" id="{1FC946C0-28C2-CF52-0E10-619554434DCA}"/>
               </a:ext>
             </a:extLst>
           </p:cNvPr>
@@ -504,7 +504,7 @@
           <a:bodyPr/>
           <a:lstStyle/>
           <a:p>
-            <a:fld id="{FBBAF3E8-DB36-4F4E-A234-E5DCB60D8941}" type="slidenum">
+            <a:fld id="{D67CE5FD-F058-481F-AF60-E9EAED29A635}" type="slidenum">
               <a:rPr lang="zh-CN" altLang="en-US" smtClean="0"/>
               <a:t>‹#›</a:t>
             </a:fld>
@@ -515,7 +515,7 @@
     </p:spTree>
     <p:extLst>
       <p:ext uri="{BB962C8B-B14F-4D97-AF65-F5344CB8AC3E}">
-        <p14:creationId xmlns:p14="http://schemas.microsoft.com/office/powerpoint/2010/main" val="2773810017"/>
+        <p14:creationId xmlns:p14="http://schemas.microsoft.com/office/powerpoint/2010/main" val="4037538911"/>
       </p:ext>
     </p:extLst>
   </p:cSld>
@@ -547,7 +547,7 @@
           <p:cNvPr id="2" name="竖排标题 1">
             <a:extLst>
               <a:ext uri="{FF2B5EF4-FFF2-40B4-BE49-F238E27FC236}">
-                <a16:creationId xmlns:a16="http://schemas.microsoft.com/office/drawing/2014/main" id="{36392082-6AC6-2DA5-24C4-B4C0D2A18C56}"/>
+                <a16:creationId xmlns:a16="http://schemas.microsoft.com/office/drawing/2014/main" id="{E9A8FEAD-1E47-F9DC-BF6D-5F6C992A5502}"/>
               </a:ext>
             </a:extLst>
           </p:cNvPr>
@@ -580,7 +580,7 @@
           <p:cNvPr id="3" name="竖排文字占位符 2">
             <a:extLst>
               <a:ext uri="{FF2B5EF4-FFF2-40B4-BE49-F238E27FC236}">
-                <a16:creationId xmlns:a16="http://schemas.microsoft.com/office/drawing/2014/main" id="{9D8737DC-83AD-3175-E124-EA33EDE39089}"/>
+                <a16:creationId xmlns:a16="http://schemas.microsoft.com/office/drawing/2014/main" id="{6452EEA1-56D8-5F3E-010D-DBFB55B8D50F}"/>
               </a:ext>
             </a:extLst>
           </p:cNvPr>
@@ -642,7 +642,7 @@
           <p:cNvPr id="4" name="日期占位符 3">
             <a:extLst>
               <a:ext uri="{FF2B5EF4-FFF2-40B4-BE49-F238E27FC236}">
-                <a16:creationId xmlns:a16="http://schemas.microsoft.com/office/drawing/2014/main" id="{745C6D8D-F06C-D385-240E-2CC8A43A7C78}"/>
+                <a16:creationId xmlns:a16="http://schemas.microsoft.com/office/drawing/2014/main" id="{8ED038B4-AA84-46D3-F2A8-520D119CF7A4}"/>
               </a:ext>
             </a:extLst>
           </p:cNvPr>
@@ -658,7 +658,7 @@
           <a:bodyPr/>
           <a:lstStyle/>
           <a:p>
-            <a:fld id="{28977803-0C03-4420-942E-D3FFFF81C185}" type="datetimeFigureOut">
+            <a:fld id="{536FAFAB-C5F9-4B1A-91EF-4460DF09567C}" type="datetimeFigureOut">
               <a:rPr lang="zh-CN" altLang="en-US" smtClean="0"/>
               <a:t>2024/3/10</a:t>
             </a:fld>
@@ -671,7 +671,7 @@
           <p:cNvPr id="5" name="页脚占位符 4">
             <a:extLst>
               <a:ext uri="{FF2B5EF4-FFF2-40B4-BE49-F238E27FC236}">
-                <a16:creationId xmlns:a16="http://schemas.microsoft.com/office/drawing/2014/main" id="{3B0F4FA3-EE52-A6DB-6B78-9D2B22B5D3FB}"/>
+                <a16:creationId xmlns:a16="http://schemas.microsoft.com/office/drawing/2014/main" id="{81D234B3-D3E0-A44E-7CE4-D2D1AFCFD2AA}"/>
               </a:ext>
             </a:extLst>
           </p:cNvPr>
@@ -696,7 +696,7 @@
           <p:cNvPr id="6" name="灯片编号占位符 5">
             <a:extLst>
               <a:ext uri="{FF2B5EF4-FFF2-40B4-BE49-F238E27FC236}">
-                <a16:creationId xmlns:a16="http://schemas.microsoft.com/office/drawing/2014/main" id="{C37C4772-1122-63DB-7DDD-768BD1311511}"/>
+                <a16:creationId xmlns:a16="http://schemas.microsoft.com/office/drawing/2014/main" id="{F3AA0A37-31BB-357A-391A-786DC20A3A1B}"/>
               </a:ext>
             </a:extLst>
           </p:cNvPr>
@@ -712,7 +712,7 @@
           <a:bodyPr/>
           <a:lstStyle/>
           <a:p>
-            <a:fld id="{FBBAF3E8-DB36-4F4E-A234-E5DCB60D8941}" type="slidenum">
+            <a:fld id="{D67CE5FD-F058-481F-AF60-E9EAED29A635}" type="slidenum">
               <a:rPr lang="zh-CN" altLang="en-US" smtClean="0"/>
               <a:t>‹#›</a:t>
             </a:fld>
@@ -723,7 +723,7 @@
     </p:spTree>
     <p:extLst>
       <p:ext uri="{BB962C8B-B14F-4D97-AF65-F5344CB8AC3E}">
-        <p14:creationId xmlns:p14="http://schemas.microsoft.com/office/powerpoint/2010/main" val="826866807"/>
+        <p14:creationId xmlns:p14="http://schemas.microsoft.com/office/powerpoint/2010/main" val="2637142482"/>
       </p:ext>
     </p:extLst>
   </p:cSld>
@@ -755,7 +755,7 @@
           <p:cNvPr id="2" name="标题 1">
             <a:extLst>
               <a:ext uri="{FF2B5EF4-FFF2-40B4-BE49-F238E27FC236}">
-                <a16:creationId xmlns:a16="http://schemas.microsoft.com/office/drawing/2014/main" id="{56ABEB9E-386D-E091-00AB-9200F4067E22}"/>
+                <a16:creationId xmlns:a16="http://schemas.microsoft.com/office/drawing/2014/main" id="{48BD6971-661C-1C96-937C-08673E416A1E}"/>
               </a:ext>
             </a:extLst>
           </p:cNvPr>
@@ -783,7 +783,7 @@
           <p:cNvPr id="3" name="内容占位符 2">
             <a:extLst>
               <a:ext uri="{FF2B5EF4-FFF2-40B4-BE49-F238E27FC236}">
-                <a16:creationId xmlns:a16="http://schemas.microsoft.com/office/drawing/2014/main" id="{3582B7BD-2CE2-CE94-F147-373B655078A4}"/>
+                <a16:creationId xmlns:a16="http://schemas.microsoft.com/office/drawing/2014/main" id="{9EC606DB-BFD3-558B-CFF4-33D8B981CB5E}"/>
               </a:ext>
             </a:extLst>
           </p:cNvPr>
@@ -840,7 +840,7 @@
           <p:cNvPr id="4" name="日期占位符 3">
             <a:extLst>
               <a:ext uri="{FF2B5EF4-FFF2-40B4-BE49-F238E27FC236}">
-                <a16:creationId xmlns:a16="http://schemas.microsoft.com/office/drawing/2014/main" id="{34418F8C-9087-1DDF-7DD1-7D3690B9BF22}"/>
+                <a16:creationId xmlns:a16="http://schemas.microsoft.com/office/drawing/2014/main" id="{46D69440-BA72-7FA4-030E-5F90A1905796}"/>
               </a:ext>
             </a:extLst>
           </p:cNvPr>
@@ -856,7 +856,7 @@
           <a:bodyPr/>
           <a:lstStyle/>
           <a:p>
-            <a:fld id="{28977803-0C03-4420-942E-D3FFFF81C185}" type="datetimeFigureOut">
+            <a:fld id="{536FAFAB-C5F9-4B1A-91EF-4460DF09567C}" type="datetimeFigureOut">
               <a:rPr lang="zh-CN" altLang="en-US" smtClean="0"/>
               <a:t>2024/3/10</a:t>
             </a:fld>
@@ -869,7 +869,7 @@
           <p:cNvPr id="5" name="页脚占位符 4">
             <a:extLst>
               <a:ext uri="{FF2B5EF4-FFF2-40B4-BE49-F238E27FC236}">
-                <a16:creationId xmlns:a16="http://schemas.microsoft.com/office/drawing/2014/main" id="{107B6A27-7B58-D2D4-4B7E-A90A852057F8}"/>
+                <a16:creationId xmlns:a16="http://schemas.microsoft.com/office/drawing/2014/main" id="{C75BC90A-176B-6653-4C85-4E261EE8A5DC}"/>
               </a:ext>
             </a:extLst>
           </p:cNvPr>
@@ -894,7 +894,7 @@
           <p:cNvPr id="6" name="灯片编号占位符 5">
             <a:extLst>
               <a:ext uri="{FF2B5EF4-FFF2-40B4-BE49-F238E27FC236}">
-                <a16:creationId xmlns:a16="http://schemas.microsoft.com/office/drawing/2014/main" id="{E3B3FE79-C28E-60B2-C4D5-D4B5BD5152A5}"/>
+                <a16:creationId xmlns:a16="http://schemas.microsoft.com/office/drawing/2014/main" id="{381ED9FB-A4A2-0CF2-6D8D-7AD47CEE23B4}"/>
               </a:ext>
             </a:extLst>
           </p:cNvPr>
@@ -910,7 +910,7 @@
           <a:bodyPr/>
           <a:lstStyle/>
           <a:p>
-            <a:fld id="{FBBAF3E8-DB36-4F4E-A234-E5DCB60D8941}" type="slidenum">
+            <a:fld id="{D67CE5FD-F058-481F-AF60-E9EAED29A635}" type="slidenum">
               <a:rPr lang="zh-CN" altLang="en-US" smtClean="0"/>
               <a:t>‹#›</a:t>
             </a:fld>
@@ -921,7 +921,7 @@
     </p:spTree>
     <p:extLst>
       <p:ext uri="{BB962C8B-B14F-4D97-AF65-F5344CB8AC3E}">
-        <p14:creationId xmlns:p14="http://schemas.microsoft.com/office/powerpoint/2010/main" val="2624300231"/>
+        <p14:creationId xmlns:p14="http://schemas.microsoft.com/office/powerpoint/2010/main" val="3724122115"/>
       </p:ext>
     </p:extLst>
   </p:cSld>
@@ -953,7 +953,7 @@
           <p:cNvPr id="2" name="标题 1">
             <a:extLst>
               <a:ext uri="{FF2B5EF4-FFF2-40B4-BE49-F238E27FC236}">
-                <a16:creationId xmlns:a16="http://schemas.microsoft.com/office/drawing/2014/main" id="{54E076B4-1C8F-295A-DF17-787037112D51}"/>
+                <a16:creationId xmlns:a16="http://schemas.microsoft.com/office/drawing/2014/main" id="{4E891E9C-6F67-9806-1D0B-E522688823B9}"/>
               </a:ext>
             </a:extLst>
           </p:cNvPr>
@@ -990,7 +990,7 @@
           <p:cNvPr id="3" name="文本占位符 2">
             <a:extLst>
               <a:ext uri="{FF2B5EF4-FFF2-40B4-BE49-F238E27FC236}">
-                <a16:creationId xmlns:a16="http://schemas.microsoft.com/office/drawing/2014/main" id="{1EB11E70-C311-C641-9F39-5AE2820E371A}"/>
+                <a16:creationId xmlns:a16="http://schemas.microsoft.com/office/drawing/2014/main" id="{C77B122E-B477-13AE-865B-77E0869CC720}"/>
               </a:ext>
             </a:extLst>
           </p:cNvPr>
@@ -1115,7 +1115,7 @@
           <p:cNvPr id="4" name="日期占位符 3">
             <a:extLst>
               <a:ext uri="{FF2B5EF4-FFF2-40B4-BE49-F238E27FC236}">
-                <a16:creationId xmlns:a16="http://schemas.microsoft.com/office/drawing/2014/main" id="{D3988B58-5F0A-E783-E490-FE0600493769}"/>
+                <a16:creationId xmlns:a16="http://schemas.microsoft.com/office/drawing/2014/main" id="{1881970C-25F5-DFEC-3B5A-0094B34005BA}"/>
               </a:ext>
             </a:extLst>
           </p:cNvPr>
@@ -1131,7 +1131,7 @@
           <a:bodyPr/>
           <a:lstStyle/>
           <a:p>
-            <a:fld id="{28977803-0C03-4420-942E-D3FFFF81C185}" type="datetimeFigureOut">
+            <a:fld id="{536FAFAB-C5F9-4B1A-91EF-4460DF09567C}" type="datetimeFigureOut">
               <a:rPr lang="zh-CN" altLang="en-US" smtClean="0"/>
               <a:t>2024/3/10</a:t>
             </a:fld>
@@ -1144,7 +1144,7 @@
           <p:cNvPr id="5" name="页脚占位符 4">
             <a:extLst>
               <a:ext uri="{FF2B5EF4-FFF2-40B4-BE49-F238E27FC236}">
-                <a16:creationId xmlns:a16="http://schemas.microsoft.com/office/drawing/2014/main" id="{7368E1A2-0CA2-1E7A-1849-4C460ED364E9}"/>
+                <a16:creationId xmlns:a16="http://schemas.microsoft.com/office/drawing/2014/main" id="{BF1A4F5D-6109-DEBB-3665-28BDF6DDF32F}"/>
               </a:ext>
             </a:extLst>
           </p:cNvPr>
@@ -1169,7 +1169,7 @@
           <p:cNvPr id="6" name="灯片编号占位符 5">
             <a:extLst>
               <a:ext uri="{FF2B5EF4-FFF2-40B4-BE49-F238E27FC236}">
-                <a16:creationId xmlns:a16="http://schemas.microsoft.com/office/drawing/2014/main" id="{FFF98E86-B244-8066-A7C7-98FC7D3FEF00}"/>
+                <a16:creationId xmlns:a16="http://schemas.microsoft.com/office/drawing/2014/main" id="{46F16F48-F34E-7D9C-5C67-456209A2D68A}"/>
               </a:ext>
             </a:extLst>
           </p:cNvPr>
@@ -1185,7 +1185,7 @@
           <a:bodyPr/>
           <a:lstStyle/>
           <a:p>
-            <a:fld id="{FBBAF3E8-DB36-4F4E-A234-E5DCB60D8941}" type="slidenum">
+            <a:fld id="{D67CE5FD-F058-481F-AF60-E9EAED29A635}" type="slidenum">
               <a:rPr lang="zh-CN" altLang="en-US" smtClean="0"/>
               <a:t>‹#›</a:t>
             </a:fld>
@@ -1196,7 +1196,7 @@
     </p:spTree>
     <p:extLst>
       <p:ext uri="{BB962C8B-B14F-4D97-AF65-F5344CB8AC3E}">
-        <p14:creationId xmlns:p14="http://schemas.microsoft.com/office/powerpoint/2010/main" val="2619420600"/>
+        <p14:creationId xmlns:p14="http://schemas.microsoft.com/office/powerpoint/2010/main" val="3079379970"/>
       </p:ext>
     </p:extLst>
   </p:cSld>
@@ -1228,7 +1228,7 @@
           <p:cNvPr id="2" name="标题 1">
             <a:extLst>
               <a:ext uri="{FF2B5EF4-FFF2-40B4-BE49-F238E27FC236}">
-                <a16:creationId xmlns:a16="http://schemas.microsoft.com/office/drawing/2014/main" id="{9DD854FF-5077-B5DC-BCA4-1286A5AECAB8}"/>
+                <a16:creationId xmlns:a16="http://schemas.microsoft.com/office/drawing/2014/main" id="{ADD5DE6E-B648-FCDE-2718-9C372F6E14E1}"/>
               </a:ext>
             </a:extLst>
           </p:cNvPr>
@@ -1256,7 +1256,7 @@
           <p:cNvPr id="3" name="内容占位符 2">
             <a:extLst>
               <a:ext uri="{FF2B5EF4-FFF2-40B4-BE49-F238E27FC236}">
-                <a16:creationId xmlns:a16="http://schemas.microsoft.com/office/drawing/2014/main" id="{06393A58-5807-1FBB-7B0F-B20E9FEF6649}"/>
+                <a16:creationId xmlns:a16="http://schemas.microsoft.com/office/drawing/2014/main" id="{A3397E51-EA43-6896-E3FE-403E70810EBA}"/>
               </a:ext>
             </a:extLst>
           </p:cNvPr>
@@ -1318,7 +1318,7 @@
           <p:cNvPr id="4" name="内容占位符 3">
             <a:extLst>
               <a:ext uri="{FF2B5EF4-FFF2-40B4-BE49-F238E27FC236}">
-                <a16:creationId xmlns:a16="http://schemas.microsoft.com/office/drawing/2014/main" id="{09235DCE-F3B4-A9F7-28A1-7D7EC30DB26F}"/>
+                <a16:creationId xmlns:a16="http://schemas.microsoft.com/office/drawing/2014/main" id="{CC04B8CB-B889-3784-8906-443EA6BA42F5}"/>
               </a:ext>
             </a:extLst>
           </p:cNvPr>
@@ -1380,7 +1380,7 @@
           <p:cNvPr id="5" name="日期占位符 4">
             <a:extLst>
               <a:ext uri="{FF2B5EF4-FFF2-40B4-BE49-F238E27FC236}">
-                <a16:creationId xmlns:a16="http://schemas.microsoft.com/office/drawing/2014/main" id="{28F0B6C6-6E2E-2CEC-5D60-B459B19E59BB}"/>
+                <a16:creationId xmlns:a16="http://schemas.microsoft.com/office/drawing/2014/main" id="{C15A826C-8CBA-F750-0B1C-ABB32AE6FA6F}"/>
               </a:ext>
             </a:extLst>
           </p:cNvPr>
@@ -1396,7 +1396,7 @@
           <a:bodyPr/>
           <a:lstStyle/>
           <a:p>
-            <a:fld id="{28977803-0C03-4420-942E-D3FFFF81C185}" type="datetimeFigureOut">
+            <a:fld id="{536FAFAB-C5F9-4B1A-91EF-4460DF09567C}" type="datetimeFigureOut">
               <a:rPr lang="zh-CN" altLang="en-US" smtClean="0"/>
               <a:t>2024/3/10</a:t>
             </a:fld>
@@ -1409,7 +1409,7 @@
           <p:cNvPr id="6" name="页脚占位符 5">
             <a:extLst>
               <a:ext uri="{FF2B5EF4-FFF2-40B4-BE49-F238E27FC236}">
-                <a16:creationId xmlns:a16="http://schemas.microsoft.com/office/drawing/2014/main" id="{02FD1CF0-5491-DBDF-FB8A-A140287941A0}"/>
+                <a16:creationId xmlns:a16="http://schemas.microsoft.com/office/drawing/2014/main" id="{F14AD348-B0F9-4C12-7D0C-E4DE39D8160A}"/>
               </a:ext>
             </a:extLst>
           </p:cNvPr>
@@ -1434,7 +1434,7 @@
           <p:cNvPr id="7" name="灯片编号占位符 6">
             <a:extLst>
               <a:ext uri="{FF2B5EF4-FFF2-40B4-BE49-F238E27FC236}">
-                <a16:creationId xmlns:a16="http://schemas.microsoft.com/office/drawing/2014/main" id="{CE61BA98-743D-3105-0F66-AE1F89DF1842}"/>
+                <a16:creationId xmlns:a16="http://schemas.microsoft.com/office/drawing/2014/main" id="{8577FB87-ED98-A975-F4FB-E6E803817A6C}"/>
               </a:ext>
             </a:extLst>
           </p:cNvPr>
@@ -1450,7 +1450,7 @@
           <a:bodyPr/>
           <a:lstStyle/>
           <a:p>
-            <a:fld id="{FBBAF3E8-DB36-4F4E-A234-E5DCB60D8941}" type="slidenum">
+            <a:fld id="{D67CE5FD-F058-481F-AF60-E9EAED29A635}" type="slidenum">
               <a:rPr lang="zh-CN" altLang="en-US" smtClean="0"/>
               <a:t>‹#›</a:t>
             </a:fld>
@@ -1461,7 +1461,7 @@
     </p:spTree>
     <p:extLst>
       <p:ext uri="{BB962C8B-B14F-4D97-AF65-F5344CB8AC3E}">
-        <p14:creationId xmlns:p14="http://schemas.microsoft.com/office/powerpoint/2010/main" val="2786397899"/>
+        <p14:creationId xmlns:p14="http://schemas.microsoft.com/office/powerpoint/2010/main" val="1203435113"/>
       </p:ext>
     </p:extLst>
   </p:cSld>
@@ -1493,7 +1493,7 @@
           <p:cNvPr id="2" name="标题 1">
             <a:extLst>
               <a:ext uri="{FF2B5EF4-FFF2-40B4-BE49-F238E27FC236}">
-                <a16:creationId xmlns:a16="http://schemas.microsoft.com/office/drawing/2014/main" id="{21BDB063-75FA-4B9F-2A64-ABB3378F6AAF}"/>
+                <a16:creationId xmlns:a16="http://schemas.microsoft.com/office/drawing/2014/main" id="{DB127ACF-F17B-2386-E64E-5B42F0E6B3E4}"/>
               </a:ext>
             </a:extLst>
           </p:cNvPr>
@@ -1526,7 +1526,7 @@
           <p:cNvPr id="3" name="文本占位符 2">
             <a:extLst>
               <a:ext uri="{FF2B5EF4-FFF2-40B4-BE49-F238E27FC236}">
-                <a16:creationId xmlns:a16="http://schemas.microsoft.com/office/drawing/2014/main" id="{0D707DAE-33C5-C901-E906-7D4432293985}"/>
+                <a16:creationId xmlns:a16="http://schemas.microsoft.com/office/drawing/2014/main" id="{F123F369-DE20-18E3-4A7B-BA2268D8D0BF}"/>
               </a:ext>
             </a:extLst>
           </p:cNvPr>
@@ -1597,7 +1597,7 @@
           <p:cNvPr id="4" name="内容占位符 3">
             <a:extLst>
               <a:ext uri="{FF2B5EF4-FFF2-40B4-BE49-F238E27FC236}">
-                <a16:creationId xmlns:a16="http://schemas.microsoft.com/office/drawing/2014/main" id="{9EBF5A6F-C178-3869-608F-E6D585FC2B00}"/>
+                <a16:creationId xmlns:a16="http://schemas.microsoft.com/office/drawing/2014/main" id="{E5D5D018-A745-E3E8-5376-5793A900993C}"/>
               </a:ext>
             </a:extLst>
           </p:cNvPr>
@@ -1659,7 +1659,7 @@
           <p:cNvPr id="5" name="文本占位符 4">
             <a:extLst>
               <a:ext uri="{FF2B5EF4-FFF2-40B4-BE49-F238E27FC236}">
-                <a16:creationId xmlns:a16="http://schemas.microsoft.com/office/drawing/2014/main" id="{9F60B798-3DBA-431C-99A8-471EB9F7C859}"/>
+                <a16:creationId xmlns:a16="http://schemas.microsoft.com/office/drawing/2014/main" id="{76E44087-C79E-A144-2ACE-08D547E8AD4D}"/>
               </a:ext>
             </a:extLst>
           </p:cNvPr>
@@ -1730,7 +1730,7 @@
           <p:cNvPr id="6" name="内容占位符 5">
             <a:extLst>
               <a:ext uri="{FF2B5EF4-FFF2-40B4-BE49-F238E27FC236}">
-                <a16:creationId xmlns:a16="http://schemas.microsoft.com/office/drawing/2014/main" id="{EA6FA82A-7B7F-963A-E34F-12233A16561B}"/>
+                <a16:creationId xmlns:a16="http://schemas.microsoft.com/office/drawing/2014/main" id="{45F3B121-4D0F-F30C-C734-F009A569AD81}"/>
               </a:ext>
             </a:extLst>
           </p:cNvPr>
@@ -1792,7 +1792,7 @@
           <p:cNvPr id="7" name="日期占位符 6">
             <a:extLst>
               <a:ext uri="{FF2B5EF4-FFF2-40B4-BE49-F238E27FC236}">
-                <a16:creationId xmlns:a16="http://schemas.microsoft.com/office/drawing/2014/main" id="{635645D1-3CFA-75D4-4946-114A15059DF4}"/>
+                <a16:creationId xmlns:a16="http://schemas.microsoft.com/office/drawing/2014/main" id="{B26A5D6F-E239-26EC-AC20-CE369B42D640}"/>
               </a:ext>
             </a:extLst>
           </p:cNvPr>
@@ -1808,7 +1808,7 @@
           <a:bodyPr/>
           <a:lstStyle/>
           <a:p>
-            <a:fld id="{28977803-0C03-4420-942E-D3FFFF81C185}" type="datetimeFigureOut">
+            <a:fld id="{536FAFAB-C5F9-4B1A-91EF-4460DF09567C}" type="datetimeFigureOut">
               <a:rPr lang="zh-CN" altLang="en-US" smtClean="0"/>
               <a:t>2024/3/10</a:t>
             </a:fld>
@@ -1821,7 +1821,7 @@
           <p:cNvPr id="8" name="页脚占位符 7">
             <a:extLst>
               <a:ext uri="{FF2B5EF4-FFF2-40B4-BE49-F238E27FC236}">
-                <a16:creationId xmlns:a16="http://schemas.microsoft.com/office/drawing/2014/main" id="{68C2FC26-BE46-3F38-0A1F-4FB3A71C22F3}"/>
+                <a16:creationId xmlns:a16="http://schemas.microsoft.com/office/drawing/2014/main" id="{A4DB5365-DAAC-3790-2239-AD1C452ABF40}"/>
               </a:ext>
             </a:extLst>
           </p:cNvPr>
@@ -1846,7 +1846,7 @@
           <p:cNvPr id="9" name="灯片编号占位符 8">
             <a:extLst>
               <a:ext uri="{FF2B5EF4-FFF2-40B4-BE49-F238E27FC236}">
-                <a16:creationId xmlns:a16="http://schemas.microsoft.com/office/drawing/2014/main" id="{EEA74B1A-CDD7-3A82-E2BA-6B905CE8C3A8}"/>
+                <a16:creationId xmlns:a16="http://schemas.microsoft.com/office/drawing/2014/main" id="{98E17498-3733-37BB-1F89-DBC183BF923F}"/>
               </a:ext>
             </a:extLst>
           </p:cNvPr>
@@ -1862,7 +1862,7 @@
           <a:bodyPr/>
           <a:lstStyle/>
           <a:p>
-            <a:fld id="{FBBAF3E8-DB36-4F4E-A234-E5DCB60D8941}" type="slidenum">
+            <a:fld id="{D67CE5FD-F058-481F-AF60-E9EAED29A635}" type="slidenum">
               <a:rPr lang="zh-CN" altLang="en-US" smtClean="0"/>
               <a:t>‹#›</a:t>
             </a:fld>
@@ -1873,7 +1873,7 @@
     </p:spTree>
     <p:extLst>
       <p:ext uri="{BB962C8B-B14F-4D97-AF65-F5344CB8AC3E}">
-        <p14:creationId xmlns:p14="http://schemas.microsoft.com/office/powerpoint/2010/main" val="2449125982"/>
+        <p14:creationId xmlns:p14="http://schemas.microsoft.com/office/powerpoint/2010/main" val="2925905275"/>
       </p:ext>
     </p:extLst>
   </p:cSld>
@@ -1905,7 +1905,7 @@
           <p:cNvPr id="2" name="标题 1">
             <a:extLst>
               <a:ext uri="{FF2B5EF4-FFF2-40B4-BE49-F238E27FC236}">
-                <a16:creationId xmlns:a16="http://schemas.microsoft.com/office/drawing/2014/main" id="{8C8C9DA4-6664-F2DF-C2B5-B9DBC4D9DAEA}"/>
+                <a16:creationId xmlns:a16="http://schemas.microsoft.com/office/drawing/2014/main" id="{7E78DBD4-83E1-5BE8-7965-98C19D02A017}"/>
               </a:ext>
             </a:extLst>
           </p:cNvPr>
@@ -1933,7 +1933,7 @@
           <p:cNvPr id="3" name="日期占位符 2">
             <a:extLst>
               <a:ext uri="{FF2B5EF4-FFF2-40B4-BE49-F238E27FC236}">
-                <a16:creationId xmlns:a16="http://schemas.microsoft.com/office/drawing/2014/main" id="{0190B853-C1D0-1D05-73F6-BCF28D10F4A0}"/>
+                <a16:creationId xmlns:a16="http://schemas.microsoft.com/office/drawing/2014/main" id="{DCD5B1CC-1119-789D-1CBA-2E07ED7580DB}"/>
               </a:ext>
             </a:extLst>
           </p:cNvPr>
@@ -1949,7 +1949,7 @@
           <a:bodyPr/>
           <a:lstStyle/>
           <a:p>
-            <a:fld id="{28977803-0C03-4420-942E-D3FFFF81C185}" type="datetimeFigureOut">
+            <a:fld id="{536FAFAB-C5F9-4B1A-91EF-4460DF09567C}" type="datetimeFigureOut">
               <a:rPr lang="zh-CN" altLang="en-US" smtClean="0"/>
               <a:t>2024/3/10</a:t>
             </a:fld>
@@ -1962,7 +1962,7 @@
           <p:cNvPr id="4" name="页脚占位符 3">
             <a:extLst>
               <a:ext uri="{FF2B5EF4-FFF2-40B4-BE49-F238E27FC236}">
-                <a16:creationId xmlns:a16="http://schemas.microsoft.com/office/drawing/2014/main" id="{0E955E10-73E3-17B9-888F-E3A53598917B}"/>
+                <a16:creationId xmlns:a16="http://schemas.microsoft.com/office/drawing/2014/main" id="{7DF278BD-4B36-3451-0BA9-421E852420F4}"/>
               </a:ext>
             </a:extLst>
           </p:cNvPr>
@@ -1987,7 +1987,7 @@
           <p:cNvPr id="5" name="灯片编号占位符 4">
             <a:extLst>
               <a:ext uri="{FF2B5EF4-FFF2-40B4-BE49-F238E27FC236}">
-                <a16:creationId xmlns:a16="http://schemas.microsoft.com/office/drawing/2014/main" id="{D32D6C63-61E7-497A-8322-E7A596469019}"/>
+                <a16:creationId xmlns:a16="http://schemas.microsoft.com/office/drawing/2014/main" id="{6F0C1537-D15B-453D-7CCD-396277952F58}"/>
               </a:ext>
             </a:extLst>
           </p:cNvPr>
@@ -2003,7 +2003,7 @@
           <a:bodyPr/>
           <a:lstStyle/>
           <a:p>
-            <a:fld id="{FBBAF3E8-DB36-4F4E-A234-E5DCB60D8941}" type="slidenum">
+            <a:fld id="{D67CE5FD-F058-481F-AF60-E9EAED29A635}" type="slidenum">
               <a:rPr lang="zh-CN" altLang="en-US" smtClean="0"/>
               <a:t>‹#›</a:t>
             </a:fld>
@@ -2014,7 +2014,7 @@
     </p:spTree>
     <p:extLst>
       <p:ext uri="{BB962C8B-B14F-4D97-AF65-F5344CB8AC3E}">
-        <p14:creationId xmlns:p14="http://schemas.microsoft.com/office/powerpoint/2010/main" val="1675987625"/>
+        <p14:creationId xmlns:p14="http://schemas.microsoft.com/office/powerpoint/2010/main" val="3551680912"/>
       </p:ext>
     </p:extLst>
   </p:cSld>
@@ -2046,7 +2046,7 @@
           <p:cNvPr id="2" name="日期占位符 1">
             <a:extLst>
               <a:ext uri="{FF2B5EF4-FFF2-40B4-BE49-F238E27FC236}">
-                <a16:creationId xmlns:a16="http://schemas.microsoft.com/office/drawing/2014/main" id="{4B0F9A2E-BC87-6591-E666-65C233AD2AFA}"/>
+                <a16:creationId xmlns:a16="http://schemas.microsoft.com/office/drawing/2014/main" id="{897C9C73-C909-5EB8-30E4-C986871D2D00}"/>
               </a:ext>
             </a:extLst>
           </p:cNvPr>
@@ -2062,7 +2062,7 @@
           <a:bodyPr/>
           <a:lstStyle/>
           <a:p>
-            <a:fld id="{28977803-0C03-4420-942E-D3FFFF81C185}" type="datetimeFigureOut">
+            <a:fld id="{536FAFAB-C5F9-4B1A-91EF-4460DF09567C}" type="datetimeFigureOut">
               <a:rPr lang="zh-CN" altLang="en-US" smtClean="0"/>
               <a:t>2024/3/10</a:t>
             </a:fld>
@@ -2075,7 +2075,7 @@
           <p:cNvPr id="3" name="页脚占位符 2">
             <a:extLst>
               <a:ext uri="{FF2B5EF4-FFF2-40B4-BE49-F238E27FC236}">
-                <a16:creationId xmlns:a16="http://schemas.microsoft.com/office/drawing/2014/main" id="{AA4C2745-EA09-49B2-B4A0-767946CDEB0E}"/>
+                <a16:creationId xmlns:a16="http://schemas.microsoft.com/office/drawing/2014/main" id="{839E5576-FA1D-16F5-A080-978E001201F6}"/>
               </a:ext>
             </a:extLst>
           </p:cNvPr>
@@ -2100,7 +2100,7 @@
           <p:cNvPr id="4" name="灯片编号占位符 3">
             <a:extLst>
               <a:ext uri="{FF2B5EF4-FFF2-40B4-BE49-F238E27FC236}">
-                <a16:creationId xmlns:a16="http://schemas.microsoft.com/office/drawing/2014/main" id="{F361F729-89BC-1111-FEAC-5F8908D2B34B}"/>
+                <a16:creationId xmlns:a16="http://schemas.microsoft.com/office/drawing/2014/main" id="{1359BC04-3F6B-1435-CF9D-93DF4C21C2F8}"/>
               </a:ext>
             </a:extLst>
           </p:cNvPr>
@@ -2116,7 +2116,7 @@
           <a:bodyPr/>
           <a:lstStyle/>
           <a:p>
-            <a:fld id="{FBBAF3E8-DB36-4F4E-A234-E5DCB60D8941}" type="slidenum">
+            <a:fld id="{D67CE5FD-F058-481F-AF60-E9EAED29A635}" type="slidenum">
               <a:rPr lang="zh-CN" altLang="en-US" smtClean="0"/>
               <a:t>‹#›</a:t>
             </a:fld>
@@ -2127,7 +2127,7 @@
     </p:spTree>
     <p:extLst>
       <p:ext uri="{BB962C8B-B14F-4D97-AF65-F5344CB8AC3E}">
-        <p14:creationId xmlns:p14="http://schemas.microsoft.com/office/powerpoint/2010/main" val="715699789"/>
+        <p14:creationId xmlns:p14="http://schemas.microsoft.com/office/powerpoint/2010/main" val="4263019534"/>
       </p:ext>
     </p:extLst>
   </p:cSld>
@@ -2159,7 +2159,7 @@
           <p:cNvPr id="2" name="标题 1">
             <a:extLst>
               <a:ext uri="{FF2B5EF4-FFF2-40B4-BE49-F238E27FC236}">
-                <a16:creationId xmlns:a16="http://schemas.microsoft.com/office/drawing/2014/main" id="{5F186720-CDCF-6C62-F3EC-2E9DC0F401D7}"/>
+                <a16:creationId xmlns:a16="http://schemas.microsoft.com/office/drawing/2014/main" id="{D70188C1-9BDE-A460-A7FD-9CE823AE0EAC}"/>
               </a:ext>
             </a:extLst>
           </p:cNvPr>
@@ -2196,7 +2196,7 @@
           <p:cNvPr id="3" name="内容占位符 2">
             <a:extLst>
               <a:ext uri="{FF2B5EF4-FFF2-40B4-BE49-F238E27FC236}">
-                <a16:creationId xmlns:a16="http://schemas.microsoft.com/office/drawing/2014/main" id="{461DA5FE-485D-E2FB-7DE9-9205161A4A46}"/>
+                <a16:creationId xmlns:a16="http://schemas.microsoft.com/office/drawing/2014/main" id="{8DE4FB2C-92C0-7064-3E4F-CF7A275F4272}"/>
               </a:ext>
             </a:extLst>
           </p:cNvPr>
@@ -2286,7 +2286,7 @@
           <p:cNvPr id="4" name="文本占位符 3">
             <a:extLst>
               <a:ext uri="{FF2B5EF4-FFF2-40B4-BE49-F238E27FC236}">
-                <a16:creationId xmlns:a16="http://schemas.microsoft.com/office/drawing/2014/main" id="{6BAE1C8B-B947-B586-528B-76AD9290F712}"/>
+                <a16:creationId xmlns:a16="http://schemas.microsoft.com/office/drawing/2014/main" id="{668C5C35-993E-9774-B6FA-E454D6B6F8EF}"/>
               </a:ext>
             </a:extLst>
           </p:cNvPr>
@@ -2357,7 +2357,7 @@
           <p:cNvPr id="5" name="日期占位符 4">
             <a:extLst>
               <a:ext uri="{FF2B5EF4-FFF2-40B4-BE49-F238E27FC236}">
-                <a16:creationId xmlns:a16="http://schemas.microsoft.com/office/drawing/2014/main" id="{E525C700-1F19-3471-E2FE-6246E55D3510}"/>
+                <a16:creationId xmlns:a16="http://schemas.microsoft.com/office/drawing/2014/main" id="{7005ED18-48ED-8E01-2E8B-655319203E42}"/>
               </a:ext>
             </a:extLst>
           </p:cNvPr>
@@ -2373,7 +2373,7 @@
           <a:bodyPr/>
           <a:lstStyle/>
           <a:p>
-            <a:fld id="{28977803-0C03-4420-942E-D3FFFF81C185}" type="datetimeFigureOut">
+            <a:fld id="{536FAFAB-C5F9-4B1A-91EF-4460DF09567C}" type="datetimeFigureOut">
               <a:rPr lang="zh-CN" altLang="en-US" smtClean="0"/>
               <a:t>2024/3/10</a:t>
             </a:fld>
@@ -2386,7 +2386,7 @@
           <p:cNvPr id="6" name="页脚占位符 5">
             <a:extLst>
               <a:ext uri="{FF2B5EF4-FFF2-40B4-BE49-F238E27FC236}">
-                <a16:creationId xmlns:a16="http://schemas.microsoft.com/office/drawing/2014/main" id="{179277EC-8265-669B-8CC6-A56429D41CCB}"/>
+                <a16:creationId xmlns:a16="http://schemas.microsoft.com/office/drawing/2014/main" id="{44D2F8A3-69DB-A76F-E0A0-8DE113D84160}"/>
               </a:ext>
             </a:extLst>
           </p:cNvPr>
@@ -2411,7 +2411,7 @@
           <p:cNvPr id="7" name="灯片编号占位符 6">
             <a:extLst>
               <a:ext uri="{FF2B5EF4-FFF2-40B4-BE49-F238E27FC236}">
-                <a16:creationId xmlns:a16="http://schemas.microsoft.com/office/drawing/2014/main" id="{19567282-B141-4EB1-609E-1AAB878DD6F9}"/>
+                <a16:creationId xmlns:a16="http://schemas.microsoft.com/office/drawing/2014/main" id="{B6CDF1B5-3A83-04D2-676F-BA84020378C3}"/>
               </a:ext>
             </a:extLst>
           </p:cNvPr>
@@ -2427,7 +2427,7 @@
           <a:bodyPr/>
           <a:lstStyle/>
           <a:p>
-            <a:fld id="{FBBAF3E8-DB36-4F4E-A234-E5DCB60D8941}" type="slidenum">
+            <a:fld id="{D67CE5FD-F058-481F-AF60-E9EAED29A635}" type="slidenum">
               <a:rPr lang="zh-CN" altLang="en-US" smtClean="0"/>
               <a:t>‹#›</a:t>
             </a:fld>
@@ -2438,7 +2438,7 @@
     </p:spTree>
     <p:extLst>
       <p:ext uri="{BB962C8B-B14F-4D97-AF65-F5344CB8AC3E}">
-        <p14:creationId xmlns:p14="http://schemas.microsoft.com/office/powerpoint/2010/main" val="3855830799"/>
+        <p14:creationId xmlns:p14="http://schemas.microsoft.com/office/powerpoint/2010/main" val="3732764884"/>
       </p:ext>
     </p:extLst>
   </p:cSld>
@@ -2470,7 +2470,7 @@
           <p:cNvPr id="2" name="标题 1">
             <a:extLst>
               <a:ext uri="{FF2B5EF4-FFF2-40B4-BE49-F238E27FC236}">
-                <a16:creationId xmlns:a16="http://schemas.microsoft.com/office/drawing/2014/main" id="{4A4FCE63-ED93-459A-E05D-2C0CE00D2C7D}"/>
+                <a16:creationId xmlns:a16="http://schemas.microsoft.com/office/drawing/2014/main" id="{9F039F00-E643-7AD6-137A-8F23DD835E68}"/>
               </a:ext>
             </a:extLst>
           </p:cNvPr>
@@ -2507,7 +2507,7 @@
           <p:cNvPr id="3" name="图片占位符 2">
             <a:extLst>
               <a:ext uri="{FF2B5EF4-FFF2-40B4-BE49-F238E27FC236}">
-                <a16:creationId xmlns:a16="http://schemas.microsoft.com/office/drawing/2014/main" id="{04610C68-618E-2FBE-1499-26585C602908}"/>
+                <a16:creationId xmlns:a16="http://schemas.microsoft.com/office/drawing/2014/main" id="{19585BB4-0E53-3BD7-6C9D-968DC8AF4D4E}"/>
               </a:ext>
             </a:extLst>
           </p:cNvPr>
@@ -2574,7 +2574,7 @@
           <p:cNvPr id="4" name="文本占位符 3">
             <a:extLst>
               <a:ext uri="{FF2B5EF4-FFF2-40B4-BE49-F238E27FC236}">
-                <a16:creationId xmlns:a16="http://schemas.microsoft.com/office/drawing/2014/main" id="{0DED4244-B30A-1A46-11A1-A0A0B84E07DD}"/>
+                <a16:creationId xmlns:a16="http://schemas.microsoft.com/office/drawing/2014/main" id="{30127329-62A8-79C8-375B-ACC788F7F801}"/>
               </a:ext>
             </a:extLst>
           </p:cNvPr>
@@ -2645,7 +2645,7 @@
           <p:cNvPr id="5" name="日期占位符 4">
             <a:extLst>
               <a:ext uri="{FF2B5EF4-FFF2-40B4-BE49-F238E27FC236}">
-                <a16:creationId xmlns:a16="http://schemas.microsoft.com/office/drawing/2014/main" id="{11E2CB9E-FD23-5C9D-5E38-57488AFAFFC9}"/>
+                <a16:creationId xmlns:a16="http://schemas.microsoft.com/office/drawing/2014/main" id="{190553FE-6980-B469-D077-5BAB2632F86B}"/>
               </a:ext>
             </a:extLst>
           </p:cNvPr>
@@ -2661,7 +2661,7 @@
           <a:bodyPr/>
           <a:lstStyle/>
           <a:p>
-            <a:fld id="{28977803-0C03-4420-942E-D3FFFF81C185}" type="datetimeFigureOut">
+            <a:fld id="{536FAFAB-C5F9-4B1A-91EF-4460DF09567C}" type="datetimeFigureOut">
               <a:rPr lang="zh-CN" altLang="en-US" smtClean="0"/>
               <a:t>2024/3/10</a:t>
             </a:fld>
@@ -2674,7 +2674,7 @@
           <p:cNvPr id="6" name="页脚占位符 5">
             <a:extLst>
               <a:ext uri="{FF2B5EF4-FFF2-40B4-BE49-F238E27FC236}">
-                <a16:creationId xmlns:a16="http://schemas.microsoft.com/office/drawing/2014/main" id="{016A249C-D5AD-B8B6-EB17-E227519726B6}"/>
+                <a16:creationId xmlns:a16="http://schemas.microsoft.com/office/drawing/2014/main" id="{2FE09BB8-A6CE-8564-E44F-F91C6ADE3363}"/>
               </a:ext>
             </a:extLst>
           </p:cNvPr>
@@ -2699,7 +2699,7 @@
           <p:cNvPr id="7" name="灯片编号占位符 6">
             <a:extLst>
               <a:ext uri="{FF2B5EF4-FFF2-40B4-BE49-F238E27FC236}">
-                <a16:creationId xmlns:a16="http://schemas.microsoft.com/office/drawing/2014/main" id="{1AB7AE0F-4548-499C-46A2-5CA2E2DEF469}"/>
+                <a16:creationId xmlns:a16="http://schemas.microsoft.com/office/drawing/2014/main" id="{3E68A1FC-BE49-226C-CF55-17956E944601}"/>
               </a:ext>
             </a:extLst>
           </p:cNvPr>
@@ -2715,7 +2715,7 @@
           <a:bodyPr/>
           <a:lstStyle/>
           <a:p>
-            <a:fld id="{FBBAF3E8-DB36-4F4E-A234-E5DCB60D8941}" type="slidenum">
+            <a:fld id="{D67CE5FD-F058-481F-AF60-E9EAED29A635}" type="slidenum">
               <a:rPr lang="zh-CN" altLang="en-US" smtClean="0"/>
               <a:t>‹#›</a:t>
             </a:fld>
@@ -2726,7 +2726,7 @@
     </p:spTree>
     <p:extLst>
       <p:ext uri="{BB962C8B-B14F-4D97-AF65-F5344CB8AC3E}">
-        <p14:creationId xmlns:p14="http://schemas.microsoft.com/office/powerpoint/2010/main" val="2183900609"/>
+        <p14:creationId xmlns:p14="http://schemas.microsoft.com/office/powerpoint/2010/main" val="3582582393"/>
       </p:ext>
     </p:extLst>
   </p:cSld>
@@ -2763,7 +2763,7 @@
           <p:cNvPr id="2" name="标题占位符 1">
             <a:extLst>
               <a:ext uri="{FF2B5EF4-FFF2-40B4-BE49-F238E27FC236}">
-                <a16:creationId xmlns:a16="http://schemas.microsoft.com/office/drawing/2014/main" id="{E03F7CDD-96D9-2DA9-F58E-010E9F8A13AE}"/>
+                <a16:creationId xmlns:a16="http://schemas.microsoft.com/office/drawing/2014/main" id="{B5BB856F-4069-DA36-7B3A-63C588B3B261}"/>
               </a:ext>
             </a:extLst>
           </p:cNvPr>
@@ -2801,7 +2801,7 @@
           <p:cNvPr id="3" name="文本占位符 2">
             <a:extLst>
               <a:ext uri="{FF2B5EF4-FFF2-40B4-BE49-F238E27FC236}">
-                <a16:creationId xmlns:a16="http://schemas.microsoft.com/office/drawing/2014/main" id="{84DD94F7-B500-31F5-AC8F-E31B85937F05}"/>
+                <a16:creationId xmlns:a16="http://schemas.microsoft.com/office/drawing/2014/main" id="{9A385D24-081A-DCD0-4116-6B367A9744B1}"/>
               </a:ext>
             </a:extLst>
           </p:cNvPr>
@@ -2868,7 +2868,7 @@
           <p:cNvPr id="4" name="日期占位符 3">
             <a:extLst>
               <a:ext uri="{FF2B5EF4-FFF2-40B4-BE49-F238E27FC236}">
-                <a16:creationId xmlns:a16="http://schemas.microsoft.com/office/drawing/2014/main" id="{C8B6F2CA-4E7C-8792-0159-C72D49E9C226}"/>
+                <a16:creationId xmlns:a16="http://schemas.microsoft.com/office/drawing/2014/main" id="{FD638B10-8D01-15E9-C7C4-F699070F8969}"/>
               </a:ext>
             </a:extLst>
           </p:cNvPr>
@@ -2902,7 +2902,7 @@
             </a:lvl1pPr>
           </a:lstStyle>
           <a:p>
-            <a:fld id="{28977803-0C03-4420-942E-D3FFFF81C185}" type="datetimeFigureOut">
+            <a:fld id="{536FAFAB-C5F9-4B1A-91EF-4460DF09567C}" type="datetimeFigureOut">
               <a:rPr lang="zh-CN" altLang="en-US" smtClean="0"/>
               <a:t>2024/3/10</a:t>
             </a:fld>
@@ -2915,7 +2915,7 @@
           <p:cNvPr id="5" name="页脚占位符 4">
             <a:extLst>
               <a:ext uri="{FF2B5EF4-FFF2-40B4-BE49-F238E27FC236}">
-                <a16:creationId xmlns:a16="http://schemas.microsoft.com/office/drawing/2014/main" id="{21D8A036-E90F-2C34-B81A-DD268C299D6D}"/>
+                <a16:creationId xmlns:a16="http://schemas.microsoft.com/office/drawing/2014/main" id="{D6041E52-89B5-356A-B296-92B19A85CEAE}"/>
               </a:ext>
             </a:extLst>
           </p:cNvPr>
@@ -2958,7 +2958,7 @@
           <p:cNvPr id="6" name="灯片编号占位符 5">
             <a:extLst>
               <a:ext uri="{FF2B5EF4-FFF2-40B4-BE49-F238E27FC236}">
-                <a16:creationId xmlns:a16="http://schemas.microsoft.com/office/drawing/2014/main" id="{8A6379F9-29B4-5935-A09F-C180C44D79A4}"/>
+                <a16:creationId xmlns:a16="http://schemas.microsoft.com/office/drawing/2014/main" id="{DDACB955-31F6-72B2-F9F4-82BD04D98FC8}"/>
               </a:ext>
             </a:extLst>
           </p:cNvPr>
@@ -2992,7 +2992,7 @@
             </a:lvl1pPr>
           </a:lstStyle>
           <a:p>
-            <a:fld id="{FBBAF3E8-DB36-4F4E-A234-E5DCB60D8941}" type="slidenum">
+            <a:fld id="{D67CE5FD-F058-481F-AF60-E9EAED29A635}" type="slidenum">
               <a:rPr lang="zh-CN" altLang="en-US" smtClean="0"/>
               <a:t>‹#›</a:t>
             </a:fld>
@@ -3003,7 +3003,7 @@
     </p:spTree>
     <p:extLst>
       <p:ext uri="{BB962C8B-B14F-4D97-AF65-F5344CB8AC3E}">
-        <p14:creationId xmlns:p14="http://schemas.microsoft.com/office/powerpoint/2010/main" val="743892148"/>
+        <p14:creationId xmlns:p14="http://schemas.microsoft.com/office/powerpoint/2010/main" val="65802757"/>
       </p:ext>
     </p:extLst>
   </p:cSld>
